--- a/slides/SynapseDelta.pptx
+++ b/slides/SynapseDelta.pptx
@@ -5,19 +5,20 @@
     <p:sldMasterId id="2147483660" r:id="rId4"/>
   </p:sldMasterIdLst>
   <p:notesMasterIdLst>
-    <p:notesMasterId r:id="rId10"/>
+    <p:notesMasterId r:id="rId11"/>
   </p:notesMasterIdLst>
   <p:sldIdLst>
     <p:sldId id="2147469809" r:id="rId5"/>
-    <p:sldId id="2147470482" r:id="rId6"/>
-    <p:sldId id="2147470484" r:id="rId7"/>
-    <p:sldId id="2147470485" r:id="rId8"/>
-    <p:sldId id="2147470400" r:id="rId9"/>
+    <p:sldId id="257" r:id="rId6"/>
+    <p:sldId id="2147470482" r:id="rId7"/>
+    <p:sldId id="2147470484" r:id="rId8"/>
+    <p:sldId id="2147470485" r:id="rId9"/>
+    <p:sldId id="2147470400" r:id="rId10"/>
   </p:sldIdLst>
   <p:sldSz cx="12192000" cy="6858000"/>
   <p:notesSz cx="6858000" cy="9144000"/>
   <p:custDataLst>
-    <p:tags r:id="rId11"/>
+    <p:tags r:id="rId12"/>
   </p:custDataLst>
   <p:defaultTextStyle>
     <a:defPPr>
@@ -122,43 +123,6 @@
 </p:presentation>
 </file>
 
-<file path=ppt/revisionInfo.xml><?xml version="1.0" encoding="utf-8"?>
-<p1510:revInfo xmlns:a="http://schemas.openxmlformats.org/drawingml/2006/main" xmlns:r="http://schemas.openxmlformats.org/officeDocument/2006/relationships" xmlns:p1510="http://schemas.microsoft.com/office/powerpoint/2015/10/main">
-  <p1510:revLst>
-    <p1510:client id="{B24CE168-5670-445E-A8D1-C45931F90DEE}" v="1" dt="2022-03-23T05:18:22.520"/>
-  </p1510:revLst>
-</p1510:revInfo>
-</file>
-
-<file path=ppt/changesInfos/changesInfo1.xml><?xml version="1.0" encoding="utf-8"?>
-<pc:chgInfo xmlns:a="http://schemas.openxmlformats.org/drawingml/2006/main" xmlns:r="http://schemas.openxmlformats.org/officeDocument/2006/relationships" xmlns:ac="http://schemas.microsoft.com/office/drawing/2013/main/command" xmlns:pc="http://schemas.microsoft.com/office/powerpoint/2013/main/command">
-  <pc:docChgLst>
-    <pc:chgData name="Hiram Fleitas" userId="e10fcc43-9abd-4aad-af2d-b6bb7d9e18eb" providerId="ADAL" clId="{B24CE168-5670-445E-A8D1-C45931F90DEE}"/>
-    <pc:docChg chg="undo custSel modSld">
-      <pc:chgData name="Hiram Fleitas" userId="e10fcc43-9abd-4aad-af2d-b6bb7d9e18eb" providerId="ADAL" clId="{B24CE168-5670-445E-A8D1-C45931F90DEE}" dt="2022-03-23T05:18:30.627" v="52" actId="20577"/>
-      <pc:docMkLst>
-        <pc:docMk/>
-      </pc:docMkLst>
-      <pc:sldChg chg="addSp delSp modSp mod">
-        <pc:chgData name="Hiram Fleitas" userId="e10fcc43-9abd-4aad-af2d-b6bb7d9e18eb" providerId="ADAL" clId="{B24CE168-5670-445E-A8D1-C45931F90DEE}" dt="2022-03-23T05:18:30.627" v="52" actId="20577"/>
-        <pc:sldMkLst>
-          <pc:docMk/>
-          <pc:sldMk cId="1711656627" sldId="2147470484"/>
-        </pc:sldMkLst>
-        <pc:spChg chg="add del mod">
-          <ac:chgData name="Hiram Fleitas" userId="e10fcc43-9abd-4aad-af2d-b6bb7d9e18eb" providerId="ADAL" clId="{B24CE168-5670-445E-A8D1-C45931F90DEE}" dt="2022-03-23T05:18:30.627" v="52" actId="20577"/>
-          <ac:spMkLst>
-            <pc:docMk/>
-            <pc:sldMk cId="1711656627" sldId="2147470484"/>
-            <ac:spMk id="9" creationId="{200AD907-A885-4C6C-83C5-E94CD823C93E}"/>
-          </ac:spMkLst>
-        </pc:spChg>
-      </pc:sldChg>
-    </pc:docChg>
-  </pc:docChgLst>
-</pc:chgInfo>
-</file>
-
 <file path=ppt/notesMasters/notesMaster1.xml><?xml version="1.0" encoding="utf-8"?>
 <p:notesMaster xmlns:a="http://schemas.openxmlformats.org/drawingml/2006/main" xmlns:r="http://schemas.openxmlformats.org/officeDocument/2006/relationships" xmlns:p="http://schemas.openxmlformats.org/presentationml/2006/main">
   <p:cSld>
@@ -241,7 +205,7 @@
           <a:p>
             <a:fld id="{794EC8F3-BCC0-408A-B79A-76C08D5408C4}" type="datetimeFigureOut">
               <a:rPr lang="en-US" smtClean="0"/>
-              <a:t>3/22/2022</a:t>
+              <a:t>3/23/2022</a:t>
             </a:fld>
             <a:endParaRPr lang="en-US"/>
           </a:p>
@@ -653,6 +617,90 @@
           <a:bodyPr/>
           <a:lstStyle/>
           <a:p>
+            <a:endParaRPr lang="en-US" dirty="0"/>
+          </a:p>
+        </p:txBody>
+      </p:sp>
+      <p:sp>
+        <p:nvSpPr>
+          <p:cNvPr id="4" name="Slide Number Placeholder 3"/>
+          <p:cNvSpPr>
+            <a:spLocks noGrp="1"/>
+          </p:cNvSpPr>
+          <p:nvPr>
+            <p:ph type="sldNum" sz="quarter" idx="5"/>
+          </p:nvPr>
+        </p:nvSpPr>
+        <p:spPr/>
+        <p:txBody>
+          <a:bodyPr/>
+          <a:lstStyle/>
+          <a:p>
+            <a:fld id="{CD493308-1CCD-4083-9427-1DD59259FBE4}" type="slidenum">
+              <a:rPr lang="en-US" smtClean="0"/>
+              <a:t>2</a:t>
+            </a:fld>
+            <a:endParaRPr lang="en-US"/>
+          </a:p>
+        </p:txBody>
+      </p:sp>
+    </p:spTree>
+    <p:extLst>
+      <p:ext uri="{BB962C8B-B14F-4D97-AF65-F5344CB8AC3E}">
+        <p14:creationId xmlns:p14="http://schemas.microsoft.com/office/powerpoint/2010/main" val="4185834652"/>
+      </p:ext>
+    </p:extLst>
+  </p:cSld>
+  <p:clrMapOvr>
+    <a:masterClrMapping/>
+  </p:clrMapOvr>
+</p:notes>
+</file>
+
+<file path=ppt/notesSlides/notesSlide3.xml><?xml version="1.0" encoding="utf-8"?>
+<p:notes xmlns:a="http://schemas.openxmlformats.org/drawingml/2006/main" xmlns:r="http://schemas.openxmlformats.org/officeDocument/2006/relationships" xmlns:p="http://schemas.openxmlformats.org/presentationml/2006/main">
+  <p:cSld>
+    <p:spTree>
+      <p:nvGrpSpPr>
+        <p:cNvPr id="1" name=""/>
+        <p:cNvGrpSpPr/>
+        <p:nvPr/>
+      </p:nvGrpSpPr>
+      <p:grpSpPr>
+        <a:xfrm>
+          <a:off x="0" y="0"/>
+          <a:ext cx="0" cy="0"/>
+          <a:chOff x="0" y="0"/>
+          <a:chExt cx="0" cy="0"/>
+        </a:xfrm>
+      </p:grpSpPr>
+      <p:sp>
+        <p:nvSpPr>
+          <p:cNvPr id="2" name="Slide Image Placeholder 1"/>
+          <p:cNvSpPr>
+            <a:spLocks noGrp="1" noRot="1" noChangeAspect="1"/>
+          </p:cNvSpPr>
+          <p:nvPr>
+            <p:ph type="sldImg"/>
+          </p:nvPr>
+        </p:nvSpPr>
+        <p:spPr/>
+      </p:sp>
+      <p:sp>
+        <p:nvSpPr>
+          <p:cNvPr id="3" name="Notes Placeholder 2"/>
+          <p:cNvSpPr>
+            <a:spLocks noGrp="1"/>
+          </p:cNvSpPr>
+          <p:nvPr>
+            <p:ph type="body" idx="1"/>
+          </p:nvPr>
+        </p:nvSpPr>
+        <p:spPr/>
+        <p:txBody>
+          <a:bodyPr/>
+          <a:lstStyle/>
+          <a:p>
             <a:r>
               <a:rPr lang="es-US" dirty="0" err="1"/>
               <a:t>Ref</a:t>
@@ -682,7 +730,7 @@
           <a:p>
             <a:fld id="{8639F85A-49A2-42E6-8AAC-E7B08E4669EF}" type="slidenum">
               <a:rPr lang="en-US" smtClean="0"/>
-              <a:t>2</a:t>
+              <a:t>3</a:t>
             </a:fld>
             <a:endParaRPr lang="en-US"/>
           </a:p>
@@ -1238,6 +1286,198 @@
 </p:sldLayout>
 </file>
 
+<file path=ppt/slideLayouts/slideLayout4.xml><?xml version="1.0" encoding="utf-8"?>
+<p:sldLayout xmlns:a="http://schemas.openxmlformats.org/drawingml/2006/main" xmlns:r="http://schemas.openxmlformats.org/officeDocument/2006/relationships" xmlns:p="http://schemas.openxmlformats.org/presentationml/2006/main" userDrawn="1">
+  <p:cSld name="Title Only">
+    <p:spTree>
+      <p:nvGrpSpPr>
+        <p:cNvPr id="1" name=""/>
+        <p:cNvGrpSpPr/>
+        <p:nvPr/>
+      </p:nvGrpSpPr>
+      <p:grpSpPr>
+        <a:xfrm>
+          <a:off x="0" y="0"/>
+          <a:ext cx="0" cy="0"/>
+          <a:chOff x="0" y="0"/>
+          <a:chExt cx="0" cy="0"/>
+        </a:xfrm>
+      </p:grpSpPr>
+      <p:sp>
+        <p:nvSpPr>
+          <p:cNvPr id="4" name="Title 3">
+            <a:extLst>
+              <a:ext uri="{FF2B5EF4-FFF2-40B4-BE49-F238E27FC236}">
+                <a16:creationId xmlns:a16="http://schemas.microsoft.com/office/drawing/2014/main" id="{AA4EFD34-E9DA-4EB6-96BE-8620621A9AE1}"/>
+              </a:ext>
+            </a:extLst>
+          </p:cNvPr>
+          <p:cNvSpPr>
+            <a:spLocks noGrp="1"/>
+          </p:cNvSpPr>
+          <p:nvPr>
+            <p:ph type="title"/>
+          </p:nvPr>
+        </p:nvSpPr>
+        <p:spPr/>
+        <p:txBody>
+          <a:bodyPr/>
+          <a:lstStyle/>
+          <a:p>
+            <a:r>
+              <a:rPr lang="en-US"/>
+              <a:t>Click to edit Master title style</a:t>
+            </a:r>
+          </a:p>
+        </p:txBody>
+      </p:sp>
+    </p:spTree>
+    <p:extLst>
+      <p:ext uri="{BB962C8B-B14F-4D97-AF65-F5344CB8AC3E}">
+        <p14:creationId xmlns:p14="http://schemas.microsoft.com/office/powerpoint/2010/main" val="3086583337"/>
+      </p:ext>
+    </p:extLst>
+  </p:cSld>
+  <p:clrMapOvr>
+    <a:masterClrMapping/>
+  </p:clrMapOvr>
+  <p:transition>
+    <p:fade/>
+  </p:transition>
+  <p:extLst>
+    <p:ext uri="{DCECCB84-F9BA-43D5-87BE-67443E8EF086}">
+      <p15:sldGuideLst xmlns:p15="http://schemas.microsoft.com/office/powerpoint/2012/main">
+        <p15:guide id="6" pos="779">
+          <p15:clr>
+            <a:srgbClr val="A4A3A4"/>
+          </p15:clr>
+        </p15:guide>
+        <p15:guide id="7" pos="962">
+          <p15:clr>
+            <a:srgbClr val="A4A3A4"/>
+          </p15:clr>
+        </p15:guide>
+        <p15:guide id="8" pos="1373">
+          <p15:clr>
+            <a:srgbClr val="A4A3A4"/>
+          </p15:clr>
+        </p15:guide>
+        <p15:guide id="9" pos="1556">
+          <p15:clr>
+            <a:srgbClr val="A4A3A4"/>
+          </p15:clr>
+        </p15:guide>
+        <p15:guide id="10" pos="1967">
+          <p15:clr>
+            <a:srgbClr val="A4A3A4"/>
+          </p15:clr>
+        </p15:guide>
+        <p15:guide id="11" pos="2150">
+          <p15:clr>
+            <a:srgbClr val="A4A3A4"/>
+          </p15:clr>
+        </p15:guide>
+        <p15:guide id="12" pos="2561">
+          <p15:clr>
+            <a:srgbClr val="A4A3A4"/>
+          </p15:clr>
+        </p15:guide>
+        <p15:guide id="13" pos="2744">
+          <p15:clr>
+            <a:srgbClr val="A4A3A4"/>
+          </p15:clr>
+        </p15:guide>
+        <p15:guide id="14" pos="3155">
+          <p15:clr>
+            <a:srgbClr val="A4A3A4"/>
+          </p15:clr>
+        </p15:guide>
+        <p15:guide id="15" pos="3338">
+          <p15:clr>
+            <a:srgbClr val="A4A3A4"/>
+          </p15:clr>
+        </p15:guide>
+        <p15:guide id="16" pos="3749">
+          <p15:clr>
+            <a:srgbClr val="A4A3A4"/>
+          </p15:clr>
+        </p15:guide>
+        <p15:guide id="17" pos="3932">
+          <p15:clr>
+            <a:srgbClr val="A4A3A4"/>
+          </p15:clr>
+        </p15:guide>
+        <p15:guide id="18" pos="4343">
+          <p15:clr>
+            <a:srgbClr val="A4A3A4"/>
+          </p15:clr>
+        </p15:guide>
+        <p15:guide id="19" pos="4526">
+          <p15:clr>
+            <a:srgbClr val="A4A3A4"/>
+          </p15:clr>
+        </p15:guide>
+        <p15:guide id="20" pos="4937">
+          <p15:clr>
+            <a:srgbClr val="A4A3A4"/>
+          </p15:clr>
+        </p15:guide>
+        <p15:guide id="21" pos="5120">
+          <p15:clr>
+            <a:srgbClr val="A4A3A4"/>
+          </p15:clr>
+        </p15:guide>
+        <p15:guide id="22" pos="5529">
+          <p15:clr>
+            <a:srgbClr val="A4A3A4"/>
+          </p15:clr>
+        </p15:guide>
+        <p15:guide id="23" pos="5714">
+          <p15:clr>
+            <a:srgbClr val="A4A3A4"/>
+          </p15:clr>
+        </p15:guide>
+        <p15:guide id="24" pos="6123">
+          <p15:clr>
+            <a:srgbClr val="A4A3A4"/>
+          </p15:clr>
+        </p15:guide>
+        <p15:guide id="25" pos="6308">
+          <p15:clr>
+            <a:srgbClr val="A4A3A4"/>
+          </p15:clr>
+        </p15:guide>
+        <p15:guide id="26" pos="6717">
+          <p15:clr>
+            <a:srgbClr val="A4A3A4"/>
+          </p15:clr>
+        </p15:guide>
+        <p15:guide id="27" pos="6900">
+          <p15:clr>
+            <a:srgbClr val="A4A3A4"/>
+          </p15:clr>
+        </p15:guide>
+        <p15:guide id="28" orient="horz" pos="905">
+          <p15:clr>
+            <a:srgbClr val="5ACBF0"/>
+          </p15:clr>
+        </p15:guide>
+        <p15:guide id="29" orient="horz" pos="1271">
+          <p15:clr>
+            <a:srgbClr val="5ACBF0"/>
+          </p15:clr>
+        </p15:guide>
+        <p15:guide id="30" orient="horz" pos="288">
+          <p15:clr>
+            <a:srgbClr val="5ACBF0"/>
+          </p15:clr>
+        </p15:guide>
+      </p15:sldGuideLst>
+    </p:ext>
+  </p:extLst>
+</p:sldLayout>
+</file>
+
 <file path=ppt/slideMasters/slideMaster1.xml><?xml version="1.0" encoding="utf-8"?>
 <p:sldMaster xmlns:a="http://schemas.openxmlformats.org/drawingml/2006/main" xmlns:r="http://schemas.openxmlformats.org/officeDocument/2006/relationships" xmlns:p="http://schemas.openxmlformats.org/presentationml/2006/main" preserve="1">
   <p:cSld>
@@ -3082,7 +3322,7 @@
           <p:nvPr userDrawn="1"/>
         </p:nvPicPr>
         <p:blipFill rotWithShape="1">
-          <a:blip r:embed="rId5" cstate="email">
+          <a:blip r:embed="rId6" cstate="email">
             <a:extLst>
               <a:ext uri="{28A0092B-C50C-407E-A947-70E740481C1C}">
                 <a14:useLocalDpi xmlns:a14="http://schemas.microsoft.com/office/drawing/2010/main"/>
@@ -3114,6 +3354,7 @@
     <p:sldLayoutId id="2147483661" r:id="rId1"/>
     <p:sldLayoutId id="2147483662" r:id="rId2"/>
     <p:sldLayoutId id="2147483664" r:id="rId3"/>
+    <p:sldLayoutId id="2147483665" r:id="rId4"/>
   </p:sldLayoutIdLst>
   <p:transition>
     <p:fade/>
@@ -3889,6 +4130,1582 @@
 </file>
 
 <file path=ppt/slides/slide2.xml><?xml version="1.0" encoding="utf-8"?>
+<p:sld xmlns:a="http://schemas.openxmlformats.org/drawingml/2006/main" xmlns:r="http://schemas.openxmlformats.org/officeDocument/2006/relationships" xmlns:p="http://schemas.openxmlformats.org/presentationml/2006/main" show="0">
+  <p:cSld>
+    <p:spTree>
+      <p:nvGrpSpPr>
+        <p:cNvPr id="1" name=""/>
+        <p:cNvGrpSpPr/>
+        <p:nvPr/>
+      </p:nvGrpSpPr>
+      <p:grpSpPr>
+        <a:xfrm>
+          <a:off x="0" y="0"/>
+          <a:ext cx="0" cy="0"/>
+          <a:chOff x="0" y="0"/>
+          <a:chExt cx="0" cy="0"/>
+        </a:xfrm>
+      </p:grpSpPr>
+      <p:grpSp>
+        <p:nvGrpSpPr>
+          <p:cNvPr id="15" name="Group 14">
+            <a:extLst>
+              <a:ext uri="{FF2B5EF4-FFF2-40B4-BE49-F238E27FC236}">
+                <a16:creationId xmlns:a16="http://schemas.microsoft.com/office/drawing/2014/main" id="{5E73A0B5-B974-4A52-B4BB-59318EE3BB3E}"/>
+              </a:ext>
+            </a:extLst>
+          </p:cNvPr>
+          <p:cNvGrpSpPr/>
+          <p:nvPr/>
+        </p:nvGrpSpPr>
+        <p:grpSpPr>
+          <a:xfrm>
+            <a:off x="-32379" y="1606252"/>
+            <a:ext cx="5230733" cy="5213085"/>
+            <a:chOff x="-32379" y="1606252"/>
+            <a:chExt cx="5230733" cy="5213085"/>
+          </a:xfrm>
+        </p:grpSpPr>
+        <p:sp>
+          <p:nvSpPr>
+            <p:cNvPr id="14" name="Rectangle 13">
+              <a:extLst>
+                <a:ext uri="{FF2B5EF4-FFF2-40B4-BE49-F238E27FC236}">
+                  <a16:creationId xmlns:a16="http://schemas.microsoft.com/office/drawing/2014/main" id="{1C790D02-820B-4DC5-85BA-9C0B7667A38F}"/>
+                </a:ext>
+              </a:extLst>
+            </p:cNvPr>
+            <p:cNvSpPr/>
+            <p:nvPr/>
+          </p:nvSpPr>
+          <p:spPr bwMode="auto">
+            <a:xfrm>
+              <a:off x="-32379" y="1606252"/>
+              <a:ext cx="5230733" cy="5213085"/>
+            </a:xfrm>
+            <a:prstGeom prst="rect">
+              <a:avLst/>
+            </a:prstGeom>
+            <a:solidFill>
+              <a:srgbClr val="243A5E"/>
+            </a:solidFill>
+            <a:ln>
+              <a:noFill/>
+              <a:headEnd type="none" w="med" len="med"/>
+              <a:tailEnd type="none" w="med" len="med"/>
+            </a:ln>
+            <a:effectLst/>
+          </p:spPr>
+          <p:style>
+            <a:lnRef idx="1">
+              <a:schemeClr val="accent2"/>
+            </a:lnRef>
+            <a:fillRef idx="3">
+              <a:schemeClr val="accent2"/>
+            </a:fillRef>
+            <a:effectRef idx="2">
+              <a:schemeClr val="accent2"/>
+            </a:effectRef>
+            <a:fontRef idx="minor">
+              <a:schemeClr val="lt1"/>
+            </a:fontRef>
+          </p:style>
+          <p:txBody>
+            <a:bodyPr rot="0" spcFirstLastPara="0" vertOverflow="overflow" horzOverflow="overflow" vert="horz" wrap="square" lIns="182880" tIns="146304" rIns="182880" bIns="146304" numCol="1" spcCol="0" rtlCol="0" fromWordArt="0" anchor="t" anchorCtr="0" forceAA="0" compatLnSpc="1">
+              <a:prstTxWarp prst="textNoShape">
+                <a:avLst/>
+              </a:prstTxWarp>
+              <a:noAutofit/>
+            </a:bodyPr>
+            <a:lstStyle/>
+            <a:p>
+              <a:pPr algn="l" defTabSz="932472" fontAlgn="base">
+                <a:spcBef>
+                  <a:spcPct val="0"/>
+                </a:spcBef>
+                <a:spcAft>
+                  <a:spcPct val="0"/>
+                </a:spcAft>
+              </a:pPr>
+              <a:endParaRPr lang="en-US" sz="2000" dirty="0" err="1">
+                <a:gradFill>
+                  <a:gsLst>
+                    <a:gs pos="0">
+                      <a:srgbClr val="FFFFFF"/>
+                    </a:gs>
+                    <a:gs pos="100000">
+                      <a:srgbClr val="FFFFFF"/>
+                    </a:gs>
+                  </a:gsLst>
+                  <a:lin ang="5400000" scaled="0"/>
+                </a:gradFill>
+                <a:ea typeface="Segoe UI" pitchFamily="34" charset="0"/>
+                <a:cs typeface="Segoe UI" pitchFamily="34" charset="0"/>
+              </a:endParaRPr>
+            </a:p>
+          </p:txBody>
+        </p:sp>
+        <p:sp>
+          <p:nvSpPr>
+            <p:cNvPr id="5" name="TextBox 4">
+              <a:extLst>
+                <a:ext uri="{FF2B5EF4-FFF2-40B4-BE49-F238E27FC236}">
+                  <a16:creationId xmlns:a16="http://schemas.microsoft.com/office/drawing/2014/main" id="{176F378C-826E-4DDA-8D38-E9645879F839}"/>
+                </a:ext>
+              </a:extLst>
+            </p:cNvPr>
+            <p:cNvSpPr txBox="1"/>
+            <p:nvPr/>
+          </p:nvSpPr>
+          <p:spPr>
+            <a:xfrm>
+              <a:off x="-25919" y="1649866"/>
+              <a:ext cx="3504548" cy="954107"/>
+            </a:xfrm>
+            <a:prstGeom prst="rect">
+              <a:avLst/>
+            </a:prstGeom>
+            <a:noFill/>
+          </p:spPr>
+          <p:txBody>
+            <a:bodyPr wrap="square" rtlCol="0">
+              <a:spAutoFit/>
+            </a:bodyPr>
+            <a:lstStyle/>
+            <a:p>
+              <a:r>
+                <a:rPr lang="en-US" sz="2800" b="1" dirty="0"/>
+                <a:t>Observational Analytics</a:t>
+              </a:r>
+            </a:p>
+          </p:txBody>
+        </p:sp>
+      </p:grpSp>
+      <p:grpSp>
+        <p:nvGrpSpPr>
+          <p:cNvPr id="11" name="Group 10">
+            <a:extLst>
+              <a:ext uri="{FF2B5EF4-FFF2-40B4-BE49-F238E27FC236}">
+                <a16:creationId xmlns:a16="http://schemas.microsoft.com/office/drawing/2014/main" id="{1C824428-1FC9-4700-8B00-E033A2164DF0}"/>
+              </a:ext>
+            </a:extLst>
+          </p:cNvPr>
+          <p:cNvGrpSpPr/>
+          <p:nvPr/>
+        </p:nvGrpSpPr>
+        <p:grpSpPr>
+          <a:xfrm>
+            <a:off x="6337608" y="1610776"/>
+            <a:ext cx="5863900" cy="5247223"/>
+            <a:chOff x="6337608" y="1610776"/>
+            <a:chExt cx="5863900" cy="5247223"/>
+          </a:xfrm>
+        </p:grpSpPr>
+        <p:sp>
+          <p:nvSpPr>
+            <p:cNvPr id="3" name="Rectangle 2">
+              <a:extLst>
+                <a:ext uri="{FF2B5EF4-FFF2-40B4-BE49-F238E27FC236}">
+                  <a16:creationId xmlns:a16="http://schemas.microsoft.com/office/drawing/2014/main" id="{57281586-1361-41B3-8A01-65B59B9A5D01}"/>
+                </a:ext>
+              </a:extLst>
+            </p:cNvPr>
+            <p:cNvSpPr/>
+            <p:nvPr/>
+          </p:nvSpPr>
+          <p:spPr bwMode="auto">
+            <a:xfrm>
+              <a:off x="6337608" y="1610776"/>
+              <a:ext cx="5863900" cy="5247223"/>
+            </a:xfrm>
+            <a:prstGeom prst="rect">
+              <a:avLst/>
+            </a:prstGeom>
+            <a:solidFill>
+              <a:srgbClr val="243A5E"/>
+            </a:solidFill>
+            <a:ln>
+              <a:noFill/>
+              <a:headEnd type="none" w="med" len="med"/>
+              <a:tailEnd type="none" w="med" len="med"/>
+            </a:ln>
+            <a:effectLst/>
+          </p:spPr>
+          <p:style>
+            <a:lnRef idx="1">
+              <a:schemeClr val="accent2"/>
+            </a:lnRef>
+            <a:fillRef idx="3">
+              <a:schemeClr val="accent2"/>
+            </a:fillRef>
+            <a:effectRef idx="2">
+              <a:schemeClr val="accent2"/>
+            </a:effectRef>
+            <a:fontRef idx="minor">
+              <a:schemeClr val="lt1"/>
+            </a:fontRef>
+          </p:style>
+          <p:txBody>
+            <a:bodyPr rot="0" spcFirstLastPara="0" vertOverflow="overflow" horzOverflow="overflow" vert="horz" wrap="square" lIns="182880" tIns="146304" rIns="182880" bIns="146304" numCol="1" spcCol="0" rtlCol="0" fromWordArt="0" anchor="t" anchorCtr="0" forceAA="0" compatLnSpc="1">
+              <a:prstTxWarp prst="textNoShape">
+                <a:avLst/>
+              </a:prstTxWarp>
+              <a:noAutofit/>
+            </a:bodyPr>
+            <a:lstStyle/>
+            <a:p>
+              <a:pPr algn="l" defTabSz="932472" fontAlgn="base">
+                <a:spcBef>
+                  <a:spcPct val="0"/>
+                </a:spcBef>
+                <a:spcAft>
+                  <a:spcPct val="0"/>
+                </a:spcAft>
+              </a:pPr>
+              <a:endParaRPr lang="en-US" sz="2000" dirty="0" err="1">
+                <a:gradFill>
+                  <a:gsLst>
+                    <a:gs pos="0">
+                      <a:srgbClr val="FFFFFF"/>
+                    </a:gs>
+                    <a:gs pos="100000">
+                      <a:srgbClr val="FFFFFF"/>
+                    </a:gs>
+                  </a:gsLst>
+                  <a:lin ang="5400000" scaled="0"/>
+                </a:gradFill>
+                <a:ea typeface="Segoe UI" pitchFamily="34" charset="0"/>
+                <a:cs typeface="Segoe UI" pitchFamily="34" charset="0"/>
+              </a:endParaRPr>
+            </a:p>
+          </p:txBody>
+        </p:sp>
+        <p:sp>
+          <p:nvSpPr>
+            <p:cNvPr id="16" name="TextBox 15">
+              <a:extLst>
+                <a:ext uri="{FF2B5EF4-FFF2-40B4-BE49-F238E27FC236}">
+                  <a16:creationId xmlns:a16="http://schemas.microsoft.com/office/drawing/2014/main" id="{96976B82-E501-4F19-8D4A-9C6DB75AB17E}"/>
+                </a:ext>
+              </a:extLst>
+            </p:cNvPr>
+            <p:cNvSpPr txBox="1"/>
+            <p:nvPr/>
+          </p:nvSpPr>
+          <p:spPr>
+            <a:xfrm>
+              <a:off x="8681302" y="4270423"/>
+              <a:ext cx="3504548" cy="1384995"/>
+            </a:xfrm>
+            <a:prstGeom prst="rect">
+              <a:avLst/>
+            </a:prstGeom>
+            <a:noFill/>
+          </p:spPr>
+          <p:txBody>
+            <a:bodyPr wrap="square" rtlCol="0">
+              <a:spAutoFit/>
+            </a:bodyPr>
+            <a:lstStyle/>
+            <a:p>
+              <a:pPr algn="r"/>
+              <a:r>
+                <a:rPr lang="en-US" sz="2800" dirty="0"/>
+                <a:t>Referential </a:t>
+              </a:r>
+            </a:p>
+            <a:p>
+              <a:pPr algn="r"/>
+              <a:r>
+                <a:rPr lang="en-US" sz="2800" dirty="0"/>
+                <a:t>Integrity</a:t>
+              </a:r>
+            </a:p>
+            <a:p>
+              <a:pPr algn="r"/>
+              <a:r>
+                <a:rPr lang="en-US" sz="2800" dirty="0"/>
+                <a:t>Transactions</a:t>
+              </a:r>
+            </a:p>
+          </p:txBody>
+        </p:sp>
+        <p:sp>
+          <p:nvSpPr>
+            <p:cNvPr id="18" name="TextBox 17">
+              <a:extLst>
+                <a:ext uri="{FF2B5EF4-FFF2-40B4-BE49-F238E27FC236}">
+                  <a16:creationId xmlns:a16="http://schemas.microsoft.com/office/drawing/2014/main" id="{82C4144D-609A-4E8F-859C-555C1171ECAF}"/>
+                </a:ext>
+              </a:extLst>
+            </p:cNvPr>
+            <p:cNvSpPr txBox="1"/>
+            <p:nvPr/>
+          </p:nvSpPr>
+          <p:spPr>
+            <a:xfrm>
+              <a:off x="8677617" y="1671239"/>
+              <a:ext cx="3504548" cy="523220"/>
+            </a:xfrm>
+            <a:prstGeom prst="rect">
+              <a:avLst/>
+            </a:prstGeom>
+            <a:noFill/>
+          </p:spPr>
+          <p:txBody>
+            <a:bodyPr wrap="square" rtlCol="0">
+              <a:spAutoFit/>
+            </a:bodyPr>
+            <a:lstStyle/>
+            <a:p>
+              <a:pPr algn="r"/>
+              <a:r>
+                <a:rPr lang="en-US" sz="2800" b="1" dirty="0"/>
+                <a:t>Data warehousing</a:t>
+              </a:r>
+            </a:p>
+          </p:txBody>
+        </p:sp>
+      </p:grpSp>
+      <p:grpSp>
+        <p:nvGrpSpPr>
+          <p:cNvPr id="12" name="Group 11">
+            <a:extLst>
+              <a:ext uri="{FF2B5EF4-FFF2-40B4-BE49-F238E27FC236}">
+                <a16:creationId xmlns:a16="http://schemas.microsoft.com/office/drawing/2014/main" id="{E4191309-9785-4FD9-BEBF-848F3DB03484}"/>
+              </a:ext>
+            </a:extLst>
+          </p:cNvPr>
+          <p:cNvGrpSpPr/>
+          <p:nvPr/>
+        </p:nvGrpSpPr>
+        <p:grpSpPr>
+          <a:xfrm>
+            <a:off x="-26966" y="3921090"/>
+            <a:ext cx="12209131" cy="2964280"/>
+            <a:chOff x="-26966" y="3921090"/>
+            <a:chExt cx="12209131" cy="2964280"/>
+          </a:xfrm>
+        </p:grpSpPr>
+        <p:sp>
+          <p:nvSpPr>
+            <p:cNvPr id="6" name="Rectangle 5">
+              <a:extLst>
+                <a:ext uri="{FF2B5EF4-FFF2-40B4-BE49-F238E27FC236}">
+                  <a16:creationId xmlns:a16="http://schemas.microsoft.com/office/drawing/2014/main" id="{12274DB3-E72B-4458-9D6E-F91B92FFA357}"/>
+                </a:ext>
+              </a:extLst>
+            </p:cNvPr>
+            <p:cNvSpPr/>
+            <p:nvPr/>
+          </p:nvSpPr>
+          <p:spPr bwMode="auto">
+            <a:xfrm>
+              <a:off x="-26966" y="3921090"/>
+              <a:ext cx="12209131" cy="2964280"/>
+            </a:xfrm>
+            <a:prstGeom prst="rect">
+              <a:avLst/>
+            </a:prstGeom>
+            <a:solidFill>
+              <a:srgbClr val="243A5E"/>
+            </a:solidFill>
+            <a:ln>
+              <a:noFill/>
+              <a:headEnd type="none" w="med" len="med"/>
+              <a:tailEnd type="none" w="med" len="med"/>
+            </a:ln>
+            <a:effectLst/>
+          </p:spPr>
+          <p:style>
+            <a:lnRef idx="1">
+              <a:schemeClr val="accent2"/>
+            </a:lnRef>
+            <a:fillRef idx="3">
+              <a:schemeClr val="accent2"/>
+            </a:fillRef>
+            <a:effectRef idx="2">
+              <a:schemeClr val="accent2"/>
+            </a:effectRef>
+            <a:fontRef idx="minor">
+              <a:schemeClr val="lt1"/>
+            </a:fontRef>
+          </p:style>
+          <p:txBody>
+            <a:bodyPr rot="0" spcFirstLastPara="0" vertOverflow="overflow" horzOverflow="overflow" vert="horz" wrap="square" lIns="182880" tIns="146304" rIns="182880" bIns="146304" numCol="1" spcCol="0" rtlCol="0" fromWordArt="0" anchor="t" anchorCtr="0" forceAA="0" compatLnSpc="1">
+              <a:prstTxWarp prst="textNoShape">
+                <a:avLst/>
+              </a:prstTxWarp>
+              <a:noAutofit/>
+            </a:bodyPr>
+            <a:lstStyle/>
+            <a:p>
+              <a:pPr algn="l" defTabSz="932472" fontAlgn="base">
+                <a:spcBef>
+                  <a:spcPct val="0"/>
+                </a:spcBef>
+                <a:spcAft>
+                  <a:spcPct val="0"/>
+                </a:spcAft>
+              </a:pPr>
+              <a:endParaRPr lang="en-US" sz="2000" dirty="0" err="1">
+                <a:gradFill>
+                  <a:gsLst>
+                    <a:gs pos="0">
+                      <a:srgbClr val="FFFFFF"/>
+                    </a:gs>
+                    <a:gs pos="100000">
+                      <a:srgbClr val="FFFFFF"/>
+                    </a:gs>
+                  </a:gsLst>
+                  <a:lin ang="5400000" scaled="0"/>
+                </a:gradFill>
+                <a:ea typeface="Segoe UI" pitchFamily="34" charset="0"/>
+                <a:cs typeface="Segoe UI" pitchFamily="34" charset="0"/>
+              </a:endParaRPr>
+            </a:p>
+          </p:txBody>
+        </p:sp>
+        <p:sp>
+          <p:nvSpPr>
+            <p:cNvPr id="25" name="TextBox 24">
+              <a:extLst>
+                <a:ext uri="{FF2B5EF4-FFF2-40B4-BE49-F238E27FC236}">
+                  <a16:creationId xmlns:a16="http://schemas.microsoft.com/office/drawing/2014/main" id="{C3D6E70E-2242-40DF-9E75-212873032FE7}"/>
+                </a:ext>
+              </a:extLst>
+            </p:cNvPr>
+            <p:cNvSpPr txBox="1"/>
+            <p:nvPr/>
+          </p:nvSpPr>
+          <p:spPr>
+            <a:xfrm>
+              <a:off x="-3080" y="6296128"/>
+              <a:ext cx="3504548" cy="523220"/>
+            </a:xfrm>
+            <a:prstGeom prst="rect">
+              <a:avLst/>
+            </a:prstGeom>
+            <a:noFill/>
+          </p:spPr>
+          <p:txBody>
+            <a:bodyPr wrap="square" rtlCol="0">
+              <a:spAutoFit/>
+            </a:bodyPr>
+            <a:lstStyle/>
+            <a:p>
+              <a:r>
+                <a:rPr lang="en-US" sz="2800" b="1" dirty="0"/>
+                <a:t>Machine learning </a:t>
+              </a:r>
+            </a:p>
+          </p:txBody>
+        </p:sp>
+      </p:grpSp>
+      <p:sp>
+        <p:nvSpPr>
+          <p:cNvPr id="2" name="Title 1">
+            <a:extLst>
+              <a:ext uri="{FF2B5EF4-FFF2-40B4-BE49-F238E27FC236}">
+                <a16:creationId xmlns:a16="http://schemas.microsoft.com/office/drawing/2014/main" id="{7E263F87-4FFB-41E0-8351-2B7131734459}"/>
+              </a:ext>
+            </a:extLst>
+          </p:cNvPr>
+          <p:cNvSpPr>
+            <a:spLocks noGrp="1"/>
+          </p:cNvSpPr>
+          <p:nvPr>
+            <p:ph type="title"/>
+          </p:nvPr>
+        </p:nvSpPr>
+        <p:spPr>
+          <a:xfrm>
+            <a:off x="458892" y="442411"/>
+            <a:ext cx="10515600" cy="1325563"/>
+          </a:xfrm>
+        </p:spPr>
+        <p:txBody>
+          <a:bodyPr>
+            <a:noAutofit/>
+          </a:bodyPr>
+          <a:lstStyle/>
+          <a:p>
+            <a:r>
+              <a:rPr lang="en-US" dirty="0">
+                <a:gradFill>
+                  <a:gsLst>
+                    <a:gs pos="2917">
+                      <a:schemeClr val="tx1"/>
+                    </a:gs>
+                    <a:gs pos="30000">
+                      <a:schemeClr val="tx1"/>
+                    </a:gs>
+                  </a:gsLst>
+                  <a:lin ang="5400000" scaled="0"/>
+                </a:gradFill>
+              </a:rPr>
+              <a:t>Run log &amp; telemetry analytics seamlessly with </a:t>
+            </a:r>
+            <a:r>
+              <a:rPr lang="en-US" dirty="0">
+                <a:solidFill>
+                  <a:schemeClr val="accent2"/>
+                </a:solidFill>
+              </a:rPr>
+              <a:t>Azure Synapse Analytics</a:t>
+            </a:r>
+            <a:br>
+              <a:rPr lang="en-US" dirty="0">
+                <a:solidFill>
+                  <a:schemeClr val="accent2"/>
+                </a:solidFill>
+              </a:rPr>
+            </a:br>
+            <a:endParaRPr lang="en-US" dirty="0">
+              <a:solidFill>
+                <a:schemeClr val="tx1"/>
+              </a:solidFill>
+            </a:endParaRPr>
+          </a:p>
+        </p:txBody>
+      </p:sp>
+      <p:sp>
+        <p:nvSpPr>
+          <p:cNvPr id="4" name="Title 5">
+            <a:extLst>
+              <a:ext uri="{FF2B5EF4-FFF2-40B4-BE49-F238E27FC236}">
+                <a16:creationId xmlns:a16="http://schemas.microsoft.com/office/drawing/2014/main" id="{137ACA5B-D423-4191-9C12-87E8949541F4}"/>
+              </a:ext>
+            </a:extLst>
+          </p:cNvPr>
+          <p:cNvSpPr txBox="1">
+            <a:spLocks/>
+          </p:cNvSpPr>
+          <p:nvPr/>
+        </p:nvSpPr>
+        <p:spPr>
+          <a:xfrm>
+            <a:off x="423138" y="498874"/>
+            <a:ext cx="10515600" cy="1325563"/>
+          </a:xfrm>
+          <a:prstGeom prst="rect">
+            <a:avLst/>
+          </a:prstGeom>
+        </p:spPr>
+        <p:txBody>
+          <a:bodyPr vert="horz" lIns="91440" tIns="45720" rIns="91440" bIns="45720" rtlCol="0" anchor="ctr">
+            <a:normAutofit/>
+          </a:bodyPr>
+          <a:lstStyle>
+            <a:lvl1pPr algn="l" defTabSz="914400" rtl="0" eaLnBrk="1" latinLnBrk="0" hangingPunct="1">
+              <a:lnSpc>
+                <a:spcPct val="90000"/>
+              </a:lnSpc>
+              <a:spcBef>
+                <a:spcPct val="0"/>
+              </a:spcBef>
+              <a:buNone/>
+              <a:defRPr sz="4400" kern="1200">
+                <a:solidFill>
+                  <a:schemeClr val="tx1"/>
+                </a:solidFill>
+                <a:latin typeface="+mj-lt"/>
+                <a:ea typeface="+mj-ea"/>
+                <a:cs typeface="+mj-cs"/>
+              </a:defRPr>
+            </a:lvl1pPr>
+          </a:lstStyle>
+          <a:p>
+            <a:endParaRPr lang="en-US" dirty="0">
+              <a:solidFill>
+                <a:schemeClr val="bg1"/>
+              </a:solidFill>
+            </a:endParaRPr>
+          </a:p>
+        </p:txBody>
+      </p:sp>
+      <p:cxnSp>
+        <p:nvCxnSpPr>
+          <p:cNvPr id="7" name="Straight Arrow Connector 6">
+            <a:extLst>
+              <a:ext uri="{FF2B5EF4-FFF2-40B4-BE49-F238E27FC236}">
+                <a16:creationId xmlns:a16="http://schemas.microsoft.com/office/drawing/2014/main" id="{FB41545E-600D-436A-8DC8-E7A1B29E1220}"/>
+              </a:ext>
+            </a:extLst>
+          </p:cNvPr>
+          <p:cNvCxnSpPr>
+            <a:cxnSpLocks/>
+          </p:cNvCxnSpPr>
+          <p:nvPr/>
+        </p:nvCxnSpPr>
+        <p:spPr>
+          <a:xfrm>
+            <a:off x="6096000" y="3829050"/>
+            <a:ext cx="4876800" cy="0"/>
+          </a:xfrm>
+          <a:prstGeom prst="straightConnector1">
+            <a:avLst/>
+          </a:prstGeom>
+          <a:ln>
+            <a:tailEnd type="triangle"/>
+          </a:ln>
+        </p:spPr>
+        <p:style>
+          <a:lnRef idx="1">
+            <a:schemeClr val="accent1"/>
+          </a:lnRef>
+          <a:fillRef idx="0">
+            <a:schemeClr val="accent1"/>
+          </a:fillRef>
+          <a:effectRef idx="0">
+            <a:schemeClr val="accent1"/>
+          </a:effectRef>
+          <a:fontRef idx="minor">
+            <a:schemeClr val="tx1"/>
+          </a:fontRef>
+        </p:style>
+      </p:cxnSp>
+      <p:sp>
+        <p:nvSpPr>
+          <p:cNvPr id="8" name="TextBox 7">
+            <a:extLst>
+              <a:ext uri="{FF2B5EF4-FFF2-40B4-BE49-F238E27FC236}">
+                <a16:creationId xmlns:a16="http://schemas.microsoft.com/office/drawing/2014/main" id="{F0F54B27-A673-485F-9B55-D98536F9C3A8}"/>
+              </a:ext>
+            </a:extLst>
+          </p:cNvPr>
+          <p:cNvSpPr txBox="1"/>
+          <p:nvPr/>
+        </p:nvSpPr>
+        <p:spPr>
+          <a:xfrm>
+            <a:off x="9651517" y="3337407"/>
+            <a:ext cx="2545768" cy="954107"/>
+          </a:xfrm>
+          <a:prstGeom prst="rect">
+            <a:avLst/>
+          </a:prstGeom>
+          <a:noFill/>
+        </p:spPr>
+        <p:txBody>
+          <a:bodyPr wrap="square" rtlCol="0">
+            <a:spAutoFit/>
+          </a:bodyPr>
+          <a:lstStyle/>
+          <a:p>
+            <a:pPr algn="r"/>
+            <a:r>
+              <a:rPr lang="en-US" sz="2800" dirty="0"/>
+              <a:t>Well Curated </a:t>
+            </a:r>
+          </a:p>
+          <a:p>
+            <a:pPr algn="r"/>
+            <a:r>
+              <a:rPr lang="en-US" sz="2800" dirty="0"/>
+              <a:t>Pre-processed</a:t>
+            </a:r>
+          </a:p>
+        </p:txBody>
+      </p:sp>
+      <p:sp>
+        <p:nvSpPr>
+          <p:cNvPr id="9" name="TextBox 8">
+            <a:extLst>
+              <a:ext uri="{FF2B5EF4-FFF2-40B4-BE49-F238E27FC236}">
+                <a16:creationId xmlns:a16="http://schemas.microsoft.com/office/drawing/2014/main" id="{602CD6E6-7B9E-4C67-9162-EE80F5DF994F}"/>
+              </a:ext>
+            </a:extLst>
+          </p:cNvPr>
+          <p:cNvSpPr txBox="1"/>
+          <p:nvPr/>
+        </p:nvSpPr>
+        <p:spPr>
+          <a:xfrm>
+            <a:off x="41787" y="3337408"/>
+            <a:ext cx="1405261" cy="954107"/>
+          </a:xfrm>
+          <a:prstGeom prst="rect">
+            <a:avLst/>
+          </a:prstGeom>
+          <a:noFill/>
+        </p:spPr>
+        <p:txBody>
+          <a:bodyPr wrap="square" rtlCol="0">
+            <a:spAutoFit/>
+          </a:bodyPr>
+          <a:lstStyle/>
+          <a:p>
+            <a:r>
+              <a:rPr lang="en-US" sz="2800" dirty="0"/>
+              <a:t>Raw</a:t>
+            </a:r>
+          </a:p>
+          <a:p>
+            <a:r>
+              <a:rPr lang="en-US" sz="2800" dirty="0"/>
+              <a:t>Data</a:t>
+            </a:r>
+          </a:p>
+        </p:txBody>
+      </p:sp>
+      <p:cxnSp>
+        <p:nvCxnSpPr>
+          <p:cNvPr id="10" name="Straight Arrow Connector 9">
+            <a:extLst>
+              <a:ext uri="{FF2B5EF4-FFF2-40B4-BE49-F238E27FC236}">
+                <a16:creationId xmlns:a16="http://schemas.microsoft.com/office/drawing/2014/main" id="{78687BCE-8619-4E8A-B707-D0DB3E30F76F}"/>
+              </a:ext>
+            </a:extLst>
+          </p:cNvPr>
+          <p:cNvCxnSpPr>
+            <a:cxnSpLocks/>
+          </p:cNvCxnSpPr>
+          <p:nvPr/>
+        </p:nvCxnSpPr>
+        <p:spPr>
+          <a:xfrm flipH="1">
+            <a:off x="838200" y="3829050"/>
+            <a:ext cx="4595090" cy="0"/>
+          </a:xfrm>
+          <a:prstGeom prst="straightConnector1">
+            <a:avLst/>
+          </a:prstGeom>
+          <a:ln>
+            <a:tailEnd type="triangle"/>
+          </a:ln>
+        </p:spPr>
+        <p:style>
+          <a:lnRef idx="1">
+            <a:schemeClr val="accent1"/>
+          </a:lnRef>
+          <a:fillRef idx="0">
+            <a:schemeClr val="accent1"/>
+          </a:fillRef>
+          <a:effectRef idx="0">
+            <a:schemeClr val="accent1"/>
+          </a:effectRef>
+          <a:fontRef idx="minor">
+            <a:schemeClr val="tx1"/>
+          </a:fontRef>
+        </p:style>
+      </p:cxnSp>
+      <p:cxnSp>
+        <p:nvCxnSpPr>
+          <p:cNvPr id="13" name="Straight Arrow Connector 12">
+            <a:extLst>
+              <a:ext uri="{FF2B5EF4-FFF2-40B4-BE49-F238E27FC236}">
+                <a16:creationId xmlns:a16="http://schemas.microsoft.com/office/drawing/2014/main" id="{F1E97B87-4F46-4104-88CA-8772E8C95C60}"/>
+              </a:ext>
+            </a:extLst>
+          </p:cNvPr>
+          <p:cNvCxnSpPr>
+            <a:cxnSpLocks/>
+          </p:cNvCxnSpPr>
+          <p:nvPr/>
+        </p:nvCxnSpPr>
+        <p:spPr>
+          <a:xfrm flipV="1">
+            <a:off x="5772150" y="2276906"/>
+            <a:ext cx="0" cy="1276350"/>
+          </a:xfrm>
+          <a:prstGeom prst="straightConnector1">
+            <a:avLst/>
+          </a:prstGeom>
+          <a:ln>
+            <a:tailEnd type="triangle"/>
+          </a:ln>
+        </p:spPr>
+        <p:style>
+          <a:lnRef idx="1">
+            <a:schemeClr val="accent1"/>
+          </a:lnRef>
+          <a:fillRef idx="0">
+            <a:schemeClr val="accent1"/>
+          </a:fillRef>
+          <a:effectRef idx="0">
+            <a:schemeClr val="accent1"/>
+          </a:effectRef>
+          <a:fontRef idx="minor">
+            <a:schemeClr val="tx1"/>
+          </a:fontRef>
+        </p:style>
+      </p:cxnSp>
+      <p:cxnSp>
+        <p:nvCxnSpPr>
+          <p:cNvPr id="17" name="Straight Arrow Connector 16">
+            <a:extLst>
+              <a:ext uri="{FF2B5EF4-FFF2-40B4-BE49-F238E27FC236}">
+                <a16:creationId xmlns:a16="http://schemas.microsoft.com/office/drawing/2014/main" id="{6420BB47-6C1F-415E-AB5F-FE30CDFDF491}"/>
+              </a:ext>
+            </a:extLst>
+          </p:cNvPr>
+          <p:cNvCxnSpPr>
+            <a:cxnSpLocks/>
+          </p:cNvCxnSpPr>
+          <p:nvPr/>
+        </p:nvCxnSpPr>
+        <p:spPr>
+          <a:xfrm>
+            <a:off x="5772150" y="4100081"/>
+            <a:ext cx="0" cy="1552575"/>
+          </a:xfrm>
+          <a:prstGeom prst="straightConnector1">
+            <a:avLst/>
+          </a:prstGeom>
+          <a:ln>
+            <a:tailEnd type="triangle"/>
+          </a:ln>
+        </p:spPr>
+        <p:style>
+          <a:lnRef idx="1">
+            <a:schemeClr val="accent1"/>
+          </a:lnRef>
+          <a:fillRef idx="0">
+            <a:schemeClr val="accent1"/>
+          </a:fillRef>
+          <a:effectRef idx="0">
+            <a:schemeClr val="accent1"/>
+          </a:effectRef>
+          <a:fontRef idx="minor">
+            <a:schemeClr val="tx1"/>
+          </a:fontRef>
+        </p:style>
+      </p:cxnSp>
+      <p:sp>
+        <p:nvSpPr>
+          <p:cNvPr id="19" name="TextBox 18">
+            <a:extLst>
+              <a:ext uri="{FF2B5EF4-FFF2-40B4-BE49-F238E27FC236}">
+                <a16:creationId xmlns:a16="http://schemas.microsoft.com/office/drawing/2014/main" id="{A2B21FCE-4F75-4388-BD20-646AB46EC51D}"/>
+              </a:ext>
+            </a:extLst>
+          </p:cNvPr>
+          <p:cNvSpPr txBox="1"/>
+          <p:nvPr/>
+        </p:nvSpPr>
+        <p:spPr>
+          <a:xfrm>
+            <a:off x="4858181" y="1610777"/>
+            <a:ext cx="1827938" cy="523220"/>
+          </a:xfrm>
+          <a:prstGeom prst="rect">
+            <a:avLst/>
+          </a:prstGeom>
+          <a:noFill/>
+        </p:spPr>
+        <p:txBody>
+          <a:bodyPr wrap="square" rtlCol="0">
+            <a:spAutoFit/>
+          </a:bodyPr>
+          <a:lstStyle/>
+          <a:p>
+            <a:pPr algn="ctr"/>
+            <a:r>
+              <a:rPr lang="en-US" sz="2800" dirty="0"/>
+              <a:t>Interactive</a:t>
+            </a:r>
+          </a:p>
+        </p:txBody>
+      </p:sp>
+      <p:sp>
+        <p:nvSpPr>
+          <p:cNvPr id="20" name="TextBox 19">
+            <a:extLst>
+              <a:ext uri="{FF2B5EF4-FFF2-40B4-BE49-F238E27FC236}">
+                <a16:creationId xmlns:a16="http://schemas.microsoft.com/office/drawing/2014/main" id="{F08DDAF8-761A-4DD3-8F26-7091C6766693}"/>
+              </a:ext>
+            </a:extLst>
+          </p:cNvPr>
+          <p:cNvSpPr txBox="1"/>
+          <p:nvPr/>
+        </p:nvSpPr>
+        <p:spPr>
+          <a:xfrm>
+            <a:off x="3743325" y="5757648"/>
+            <a:ext cx="4657724" cy="954107"/>
+          </a:xfrm>
+          <a:prstGeom prst="rect">
+            <a:avLst/>
+          </a:prstGeom>
+          <a:noFill/>
+        </p:spPr>
+        <p:txBody>
+          <a:bodyPr wrap="square" rtlCol="0">
+            <a:spAutoFit/>
+          </a:bodyPr>
+          <a:lstStyle/>
+          <a:p>
+            <a:pPr algn="ctr"/>
+            <a:r>
+              <a:rPr lang="en-US" sz="2800" dirty="0"/>
+              <a:t>Batch, long running, </a:t>
+            </a:r>
+            <a:br>
+              <a:rPr lang="en-US" sz="2800" dirty="0"/>
+            </a:br>
+            <a:r>
+              <a:rPr lang="en-US" sz="2800" dirty="0"/>
+              <a:t>heavy duty model training </a:t>
+            </a:r>
+          </a:p>
+        </p:txBody>
+      </p:sp>
+      <p:sp>
+        <p:nvSpPr>
+          <p:cNvPr id="21" name="Oval 20">
+            <a:extLst>
+              <a:ext uri="{FF2B5EF4-FFF2-40B4-BE49-F238E27FC236}">
+                <a16:creationId xmlns:a16="http://schemas.microsoft.com/office/drawing/2014/main" id="{40545329-6172-43DD-B3EA-1AD4265EEAFC}"/>
+              </a:ext>
+            </a:extLst>
+          </p:cNvPr>
+          <p:cNvSpPr/>
+          <p:nvPr/>
+        </p:nvSpPr>
+        <p:spPr>
+          <a:xfrm>
+            <a:off x="1292296" y="4205073"/>
+            <a:ext cx="6019797" cy="1218804"/>
+          </a:xfrm>
+          <a:prstGeom prst="ellipse">
+            <a:avLst/>
+          </a:prstGeom>
+          <a:solidFill>
+            <a:srgbClr val="054B16"/>
+          </a:solidFill>
+        </p:spPr>
+        <p:style>
+          <a:lnRef idx="2">
+            <a:schemeClr val="accent1">
+              <a:shade val="50000"/>
+            </a:schemeClr>
+          </a:lnRef>
+          <a:fillRef idx="1">
+            <a:schemeClr val="accent1"/>
+          </a:fillRef>
+          <a:effectRef idx="0">
+            <a:schemeClr val="accent1"/>
+          </a:effectRef>
+          <a:fontRef idx="minor">
+            <a:schemeClr val="lt1"/>
+          </a:fontRef>
+        </p:style>
+        <p:txBody>
+          <a:bodyPr rtlCol="0" anchor="ctr"/>
+          <a:lstStyle/>
+          <a:p>
+            <a:pPr algn="ctr"/>
+            <a:r>
+              <a:rPr lang="en-US" dirty="0"/>
+              <a:t>Spark</a:t>
+            </a:r>
+          </a:p>
+        </p:txBody>
+      </p:sp>
+      <p:sp>
+        <p:nvSpPr>
+          <p:cNvPr id="22" name="Oval 21">
+            <a:extLst>
+              <a:ext uri="{FF2B5EF4-FFF2-40B4-BE49-F238E27FC236}">
+                <a16:creationId xmlns:a16="http://schemas.microsoft.com/office/drawing/2014/main" id="{50A65C8E-D1D4-464A-8B85-0C7F852E716C}"/>
+              </a:ext>
+            </a:extLst>
+          </p:cNvPr>
+          <p:cNvSpPr/>
+          <p:nvPr/>
+        </p:nvSpPr>
+        <p:spPr>
+          <a:xfrm>
+            <a:off x="7987627" y="2158208"/>
+            <a:ext cx="1405265" cy="2757946"/>
+          </a:xfrm>
+          <a:prstGeom prst="ellipse">
+            <a:avLst/>
+          </a:prstGeom>
+        </p:spPr>
+        <p:style>
+          <a:lnRef idx="2">
+            <a:schemeClr val="accent1">
+              <a:shade val="50000"/>
+            </a:schemeClr>
+          </a:lnRef>
+          <a:fillRef idx="1">
+            <a:schemeClr val="accent1"/>
+          </a:fillRef>
+          <a:effectRef idx="0">
+            <a:schemeClr val="accent1"/>
+          </a:effectRef>
+          <a:fontRef idx="minor">
+            <a:schemeClr val="lt1"/>
+          </a:fontRef>
+        </p:style>
+        <p:txBody>
+          <a:bodyPr rtlCol="0" anchor="ctr"/>
+          <a:lstStyle/>
+          <a:p>
+            <a:pPr algn="ctr"/>
+            <a:r>
+              <a:rPr lang="en-US" dirty="0"/>
+              <a:t>SQL</a:t>
+            </a:r>
+          </a:p>
+        </p:txBody>
+      </p:sp>
+      <p:sp>
+        <p:nvSpPr>
+          <p:cNvPr id="23" name="Oval 22">
+            <a:extLst>
+              <a:ext uri="{FF2B5EF4-FFF2-40B4-BE49-F238E27FC236}">
+                <a16:creationId xmlns:a16="http://schemas.microsoft.com/office/drawing/2014/main" id="{89513F7A-CB91-41E5-991A-979E694AF53B}"/>
+              </a:ext>
+            </a:extLst>
+          </p:cNvPr>
+          <p:cNvSpPr/>
+          <p:nvPr/>
+        </p:nvSpPr>
+        <p:spPr>
+          <a:xfrm>
+            <a:off x="1762109" y="2176678"/>
+            <a:ext cx="2747271" cy="1276350"/>
+          </a:xfrm>
+          <a:prstGeom prst="ellipse">
+            <a:avLst/>
+          </a:prstGeom>
+          <a:solidFill>
+            <a:srgbClr val="6C3470"/>
+          </a:solidFill>
+        </p:spPr>
+        <p:style>
+          <a:lnRef idx="2">
+            <a:schemeClr val="accent1">
+              <a:shade val="50000"/>
+            </a:schemeClr>
+          </a:lnRef>
+          <a:fillRef idx="1">
+            <a:schemeClr val="accent1"/>
+          </a:fillRef>
+          <a:effectRef idx="0">
+            <a:schemeClr val="accent1"/>
+          </a:effectRef>
+          <a:fontRef idx="minor">
+            <a:schemeClr val="lt1"/>
+          </a:fontRef>
+        </p:style>
+        <p:txBody>
+          <a:bodyPr rtlCol="0" anchor="ctr"/>
+          <a:lstStyle/>
+          <a:p>
+            <a:pPr algn="ctr"/>
+            <a:r>
+              <a:rPr lang="en-US" dirty="0"/>
+              <a:t>Kusto</a:t>
+            </a:r>
+          </a:p>
+        </p:txBody>
+      </p:sp>
+      <p:sp>
+        <p:nvSpPr>
+          <p:cNvPr id="30" name="TextBox 29">
+            <a:extLst>
+              <a:ext uri="{FF2B5EF4-FFF2-40B4-BE49-F238E27FC236}">
+                <a16:creationId xmlns:a16="http://schemas.microsoft.com/office/drawing/2014/main" id="{D7844C7D-52D5-4D0E-8955-B35F5C951F30}"/>
+              </a:ext>
+            </a:extLst>
+          </p:cNvPr>
+          <p:cNvSpPr txBox="1"/>
+          <p:nvPr/>
+        </p:nvSpPr>
+        <p:spPr>
+          <a:xfrm>
+            <a:off x="8696960" y="6296128"/>
+            <a:ext cx="3504548" cy="523220"/>
+          </a:xfrm>
+          <a:prstGeom prst="rect">
+            <a:avLst/>
+          </a:prstGeom>
+          <a:noFill/>
+        </p:spPr>
+        <p:txBody>
+          <a:bodyPr wrap="square" rtlCol="0">
+            <a:spAutoFit/>
+          </a:bodyPr>
+          <a:lstStyle/>
+          <a:p>
+            <a:pPr algn="r"/>
+            <a:r>
+              <a:rPr lang="en-US" sz="2800" b="1" dirty="0"/>
+              <a:t>ETL</a:t>
+            </a:r>
+          </a:p>
+        </p:txBody>
+      </p:sp>
+    </p:spTree>
+    <p:extLst>
+      <p:ext uri="{BB962C8B-B14F-4D97-AF65-F5344CB8AC3E}">
+        <p14:creationId xmlns:p14="http://schemas.microsoft.com/office/powerpoint/2010/main" val="2794732804"/>
+      </p:ext>
+    </p:extLst>
+  </p:cSld>
+  <p:clrMapOvr>
+    <a:masterClrMapping/>
+  </p:clrMapOvr>
+  <p:transition>
+    <p:fade/>
+  </p:transition>
+  <p:timing>
+    <p:tnLst>
+      <p:par>
+        <p:cTn id="1" dur="indefinite" restart="never" nodeType="tmRoot">
+          <p:childTnLst>
+            <p:seq concurrent="1" nextAc="seek">
+              <p:cTn id="2" dur="indefinite" nodeType="mainSeq">
+                <p:childTnLst>
+                  <p:par>
+                    <p:cTn id="3" fill="hold">
+                      <p:stCondLst>
+                        <p:cond delay="indefinite"/>
+                      </p:stCondLst>
+                      <p:childTnLst>
+                        <p:par>
+                          <p:cTn id="4" fill="hold">
+                            <p:stCondLst>
+                              <p:cond delay="0"/>
+                            </p:stCondLst>
+                            <p:childTnLst>
+                              <p:par>
+                                <p:cTn id="5" presetID="2" presetClass="entr" presetSubtype="2" fill="hold" nodeType="clickEffect">
+                                  <p:stCondLst>
+                                    <p:cond delay="0"/>
+                                  </p:stCondLst>
+                                  <p:childTnLst>
+                                    <p:set>
+                                      <p:cBhvr>
+                                        <p:cTn id="6" dur="1" fill="hold">
+                                          <p:stCondLst>
+                                            <p:cond delay="0"/>
+                                          </p:stCondLst>
+                                        </p:cTn>
+                                        <p:tgtEl>
+                                          <p:spTgt spid="11"/>
+                                        </p:tgtEl>
+                                        <p:attrNameLst>
+                                          <p:attrName>style.visibility</p:attrName>
+                                        </p:attrNameLst>
+                                      </p:cBhvr>
+                                      <p:to>
+                                        <p:strVal val="visible"/>
+                                      </p:to>
+                                    </p:set>
+                                    <p:anim calcmode="lin" valueType="num">
+                                      <p:cBhvr additive="base">
+                                        <p:cTn id="7" dur="500" fill="hold"/>
+                                        <p:tgtEl>
+                                          <p:spTgt spid="11"/>
+                                        </p:tgtEl>
+                                        <p:attrNameLst>
+                                          <p:attrName>ppt_x</p:attrName>
+                                        </p:attrNameLst>
+                                      </p:cBhvr>
+                                      <p:tavLst>
+                                        <p:tav tm="0">
+                                          <p:val>
+                                            <p:strVal val="1+#ppt_w/2"/>
+                                          </p:val>
+                                        </p:tav>
+                                        <p:tav tm="100000">
+                                          <p:val>
+                                            <p:strVal val="#ppt_x"/>
+                                          </p:val>
+                                        </p:tav>
+                                      </p:tavLst>
+                                    </p:anim>
+                                    <p:anim calcmode="lin" valueType="num">
+                                      <p:cBhvr additive="base">
+                                        <p:cTn id="8" dur="500" fill="hold"/>
+                                        <p:tgtEl>
+                                          <p:spTgt spid="11"/>
+                                        </p:tgtEl>
+                                        <p:attrNameLst>
+                                          <p:attrName>ppt_y</p:attrName>
+                                        </p:attrNameLst>
+                                      </p:cBhvr>
+                                      <p:tavLst>
+                                        <p:tav tm="0">
+                                          <p:val>
+                                            <p:strVal val="#ppt_y"/>
+                                          </p:val>
+                                        </p:tav>
+                                        <p:tav tm="100000">
+                                          <p:val>
+                                            <p:strVal val="#ppt_y"/>
+                                          </p:val>
+                                        </p:tav>
+                                      </p:tavLst>
+                                    </p:anim>
+                                  </p:childTnLst>
+                                </p:cTn>
+                              </p:par>
+                              <p:par>
+                                <p:cTn id="9" presetID="2" presetClass="entr" presetSubtype="2" fill="hold" grpId="0" nodeType="withEffect">
+                                  <p:stCondLst>
+                                    <p:cond delay="0"/>
+                                  </p:stCondLst>
+                                  <p:childTnLst>
+                                    <p:set>
+                                      <p:cBhvr>
+                                        <p:cTn id="10" dur="1" fill="hold">
+                                          <p:stCondLst>
+                                            <p:cond delay="0"/>
+                                          </p:stCondLst>
+                                        </p:cTn>
+                                        <p:tgtEl>
+                                          <p:spTgt spid="30"/>
+                                        </p:tgtEl>
+                                        <p:attrNameLst>
+                                          <p:attrName>style.visibility</p:attrName>
+                                        </p:attrNameLst>
+                                      </p:cBhvr>
+                                      <p:to>
+                                        <p:strVal val="visible"/>
+                                      </p:to>
+                                    </p:set>
+                                    <p:anim calcmode="lin" valueType="num">
+                                      <p:cBhvr additive="base">
+                                        <p:cTn id="11" dur="500" fill="hold"/>
+                                        <p:tgtEl>
+                                          <p:spTgt spid="30"/>
+                                        </p:tgtEl>
+                                        <p:attrNameLst>
+                                          <p:attrName>ppt_x</p:attrName>
+                                        </p:attrNameLst>
+                                      </p:cBhvr>
+                                      <p:tavLst>
+                                        <p:tav tm="0">
+                                          <p:val>
+                                            <p:strVal val="1+#ppt_w/2"/>
+                                          </p:val>
+                                        </p:tav>
+                                        <p:tav tm="100000">
+                                          <p:val>
+                                            <p:strVal val="#ppt_x"/>
+                                          </p:val>
+                                        </p:tav>
+                                      </p:tavLst>
+                                    </p:anim>
+                                    <p:anim calcmode="lin" valueType="num">
+                                      <p:cBhvr additive="base">
+                                        <p:cTn id="12" dur="500" fill="hold"/>
+                                        <p:tgtEl>
+                                          <p:spTgt spid="30"/>
+                                        </p:tgtEl>
+                                        <p:attrNameLst>
+                                          <p:attrName>ppt_y</p:attrName>
+                                        </p:attrNameLst>
+                                      </p:cBhvr>
+                                      <p:tavLst>
+                                        <p:tav tm="0">
+                                          <p:val>
+                                            <p:strVal val="#ppt_y"/>
+                                          </p:val>
+                                        </p:tav>
+                                        <p:tav tm="100000">
+                                          <p:val>
+                                            <p:strVal val="#ppt_y"/>
+                                          </p:val>
+                                        </p:tav>
+                                      </p:tavLst>
+                                    </p:anim>
+                                  </p:childTnLst>
+                                </p:cTn>
+                              </p:par>
+                            </p:childTnLst>
+                          </p:cTn>
+                        </p:par>
+                      </p:childTnLst>
+                    </p:cTn>
+                  </p:par>
+                  <p:par>
+                    <p:cTn id="13" fill="hold">
+                      <p:stCondLst>
+                        <p:cond delay="indefinite"/>
+                      </p:stCondLst>
+                      <p:childTnLst>
+                        <p:par>
+                          <p:cTn id="14" fill="hold">
+                            <p:stCondLst>
+                              <p:cond delay="0"/>
+                            </p:stCondLst>
+                            <p:childTnLst>
+                              <p:par>
+                                <p:cTn id="15" presetID="10" presetClass="exit" presetSubtype="0" fill="hold" nodeType="clickEffect">
+                                  <p:stCondLst>
+                                    <p:cond delay="0"/>
+                                  </p:stCondLst>
+                                  <p:childTnLst>
+                                    <p:animEffect transition="out" filter="fade">
+                                      <p:cBhvr>
+                                        <p:cTn id="16" dur="1100"/>
+                                        <p:tgtEl>
+                                          <p:spTgt spid="11"/>
+                                        </p:tgtEl>
+                                      </p:cBhvr>
+                                    </p:animEffect>
+                                    <p:set>
+                                      <p:cBhvr>
+                                        <p:cTn id="17" dur="1" fill="hold">
+                                          <p:stCondLst>
+                                            <p:cond delay="1099"/>
+                                          </p:stCondLst>
+                                        </p:cTn>
+                                        <p:tgtEl>
+                                          <p:spTgt spid="11"/>
+                                        </p:tgtEl>
+                                        <p:attrNameLst>
+                                          <p:attrName>style.visibility</p:attrName>
+                                        </p:attrNameLst>
+                                      </p:cBhvr>
+                                      <p:to>
+                                        <p:strVal val="hidden"/>
+                                      </p:to>
+                                    </p:set>
+                                  </p:childTnLst>
+                                </p:cTn>
+                              </p:par>
+                              <p:par>
+                                <p:cTn id="18" presetID="2" presetClass="entr" presetSubtype="4" fill="hold" nodeType="withEffect">
+                                  <p:stCondLst>
+                                    <p:cond delay="0"/>
+                                  </p:stCondLst>
+                                  <p:childTnLst>
+                                    <p:set>
+                                      <p:cBhvr>
+                                        <p:cTn id="19" dur="1" fill="hold">
+                                          <p:stCondLst>
+                                            <p:cond delay="0"/>
+                                          </p:stCondLst>
+                                        </p:cTn>
+                                        <p:tgtEl>
+                                          <p:spTgt spid="12"/>
+                                        </p:tgtEl>
+                                        <p:attrNameLst>
+                                          <p:attrName>style.visibility</p:attrName>
+                                        </p:attrNameLst>
+                                      </p:cBhvr>
+                                      <p:to>
+                                        <p:strVal val="visible"/>
+                                      </p:to>
+                                    </p:set>
+                                    <p:anim calcmode="lin" valueType="num">
+                                      <p:cBhvr additive="base">
+                                        <p:cTn id="20" dur="500" fill="hold"/>
+                                        <p:tgtEl>
+                                          <p:spTgt spid="12"/>
+                                        </p:tgtEl>
+                                        <p:attrNameLst>
+                                          <p:attrName>ppt_x</p:attrName>
+                                        </p:attrNameLst>
+                                      </p:cBhvr>
+                                      <p:tavLst>
+                                        <p:tav tm="0">
+                                          <p:val>
+                                            <p:strVal val="#ppt_x"/>
+                                          </p:val>
+                                        </p:tav>
+                                        <p:tav tm="100000">
+                                          <p:val>
+                                            <p:strVal val="#ppt_x"/>
+                                          </p:val>
+                                        </p:tav>
+                                      </p:tavLst>
+                                    </p:anim>
+                                    <p:anim calcmode="lin" valueType="num">
+                                      <p:cBhvr additive="base">
+                                        <p:cTn id="21" dur="500" fill="hold"/>
+                                        <p:tgtEl>
+                                          <p:spTgt spid="12"/>
+                                        </p:tgtEl>
+                                        <p:attrNameLst>
+                                          <p:attrName>ppt_y</p:attrName>
+                                        </p:attrNameLst>
+                                      </p:cBhvr>
+                                      <p:tavLst>
+                                        <p:tav tm="0">
+                                          <p:val>
+                                            <p:strVal val="1+#ppt_h/2"/>
+                                          </p:val>
+                                        </p:tav>
+                                        <p:tav tm="100000">
+                                          <p:val>
+                                            <p:strVal val="#ppt_y"/>
+                                          </p:val>
+                                        </p:tav>
+                                      </p:tavLst>
+                                    </p:anim>
+                                  </p:childTnLst>
+                                </p:cTn>
+                              </p:par>
+                            </p:childTnLst>
+                          </p:cTn>
+                        </p:par>
+                      </p:childTnLst>
+                    </p:cTn>
+                  </p:par>
+                  <p:par>
+                    <p:cTn id="22" fill="hold">
+                      <p:stCondLst>
+                        <p:cond delay="indefinite"/>
+                      </p:stCondLst>
+                      <p:childTnLst>
+                        <p:par>
+                          <p:cTn id="23" fill="hold">
+                            <p:stCondLst>
+                              <p:cond delay="0"/>
+                            </p:stCondLst>
+                            <p:childTnLst>
+                              <p:par>
+                                <p:cTn id="24" presetID="10" presetClass="exit" presetSubtype="0" fill="hold" nodeType="clickEffect">
+                                  <p:stCondLst>
+                                    <p:cond delay="0"/>
+                                  </p:stCondLst>
+                                  <p:childTnLst>
+                                    <p:animEffect transition="out" filter="fade">
+                                      <p:cBhvr>
+                                        <p:cTn id="25" dur="1000"/>
+                                        <p:tgtEl>
+                                          <p:spTgt spid="12"/>
+                                        </p:tgtEl>
+                                      </p:cBhvr>
+                                    </p:animEffect>
+                                    <p:set>
+                                      <p:cBhvr>
+                                        <p:cTn id="26" dur="1" fill="hold">
+                                          <p:stCondLst>
+                                            <p:cond delay="999"/>
+                                          </p:stCondLst>
+                                        </p:cTn>
+                                        <p:tgtEl>
+                                          <p:spTgt spid="12"/>
+                                        </p:tgtEl>
+                                        <p:attrNameLst>
+                                          <p:attrName>style.visibility</p:attrName>
+                                        </p:attrNameLst>
+                                      </p:cBhvr>
+                                      <p:to>
+                                        <p:strVal val="hidden"/>
+                                      </p:to>
+                                    </p:set>
+                                  </p:childTnLst>
+                                </p:cTn>
+                              </p:par>
+                              <p:par>
+                                <p:cTn id="27" presetID="2" presetClass="entr" presetSubtype="8" fill="hold" nodeType="withEffect">
+                                  <p:stCondLst>
+                                    <p:cond delay="0"/>
+                                  </p:stCondLst>
+                                  <p:childTnLst>
+                                    <p:set>
+                                      <p:cBhvr>
+                                        <p:cTn id="28" dur="1" fill="hold">
+                                          <p:stCondLst>
+                                            <p:cond delay="0"/>
+                                          </p:stCondLst>
+                                        </p:cTn>
+                                        <p:tgtEl>
+                                          <p:spTgt spid="15"/>
+                                        </p:tgtEl>
+                                        <p:attrNameLst>
+                                          <p:attrName>style.visibility</p:attrName>
+                                        </p:attrNameLst>
+                                      </p:cBhvr>
+                                      <p:to>
+                                        <p:strVal val="visible"/>
+                                      </p:to>
+                                    </p:set>
+                                    <p:anim calcmode="lin" valueType="num">
+                                      <p:cBhvr additive="base">
+                                        <p:cTn id="29" dur="500" fill="hold"/>
+                                        <p:tgtEl>
+                                          <p:spTgt spid="15"/>
+                                        </p:tgtEl>
+                                        <p:attrNameLst>
+                                          <p:attrName>ppt_x</p:attrName>
+                                        </p:attrNameLst>
+                                      </p:cBhvr>
+                                      <p:tavLst>
+                                        <p:tav tm="0">
+                                          <p:val>
+                                            <p:strVal val="0-#ppt_w/2"/>
+                                          </p:val>
+                                        </p:tav>
+                                        <p:tav tm="100000">
+                                          <p:val>
+                                            <p:strVal val="#ppt_x"/>
+                                          </p:val>
+                                        </p:tav>
+                                      </p:tavLst>
+                                    </p:anim>
+                                    <p:anim calcmode="lin" valueType="num">
+                                      <p:cBhvr additive="base">
+                                        <p:cTn id="30" dur="500" fill="hold"/>
+                                        <p:tgtEl>
+                                          <p:spTgt spid="15"/>
+                                        </p:tgtEl>
+                                        <p:attrNameLst>
+                                          <p:attrName>ppt_y</p:attrName>
+                                        </p:attrNameLst>
+                                      </p:cBhvr>
+                                      <p:tavLst>
+                                        <p:tav tm="0">
+                                          <p:val>
+                                            <p:strVal val="#ppt_y"/>
+                                          </p:val>
+                                        </p:tav>
+                                        <p:tav tm="100000">
+                                          <p:val>
+                                            <p:strVal val="#ppt_y"/>
+                                          </p:val>
+                                        </p:tav>
+                                      </p:tavLst>
+                                    </p:anim>
+                                  </p:childTnLst>
+                                </p:cTn>
+                              </p:par>
+                            </p:childTnLst>
+                          </p:cTn>
+                        </p:par>
+                      </p:childTnLst>
+                    </p:cTn>
+                  </p:par>
+                </p:childTnLst>
+              </p:cTn>
+              <p:prevCondLst>
+                <p:cond evt="onPrev" delay="0">
+                  <p:tgtEl>
+                    <p:sldTgt/>
+                  </p:tgtEl>
+                </p:cond>
+              </p:prevCondLst>
+              <p:nextCondLst>
+                <p:cond evt="onNext" delay="0">
+                  <p:tgtEl>
+                    <p:sldTgt/>
+                  </p:tgtEl>
+                </p:cond>
+              </p:nextCondLst>
+            </p:seq>
+          </p:childTnLst>
+        </p:cTn>
+      </p:par>
+    </p:tnLst>
+    <p:bldLst>
+      <p:bldP spid="30" grpId="0"/>
+    </p:bldLst>
+  </p:timing>
+</p:sld>
+</file>
+
+<file path=ppt/slides/slide3.xml><?xml version="1.0" encoding="utf-8"?>
 <p:sld xmlns:a="http://schemas.openxmlformats.org/drawingml/2006/main" xmlns:r="http://schemas.openxmlformats.org/officeDocument/2006/relationships" xmlns:p="http://schemas.openxmlformats.org/presentationml/2006/main">
   <p:cSld>
     <p:bg>
@@ -11209,7 +13026,7 @@
 </p:sld>
 </file>
 
-<file path=ppt/slides/slide3.xml><?xml version="1.0" encoding="utf-8"?>
+<file path=ppt/slides/slide4.xml><?xml version="1.0" encoding="utf-8"?>
 <p:sld xmlns:a="http://schemas.openxmlformats.org/drawingml/2006/main" xmlns:r="http://schemas.openxmlformats.org/officeDocument/2006/relationships" xmlns:p="http://schemas.openxmlformats.org/presentationml/2006/main">
   <p:cSld>
     <p:bg>
@@ -11773,7 +13590,7 @@
 </p:sld>
 </file>
 
-<file path=ppt/slides/slide4.xml><?xml version="1.0" encoding="utf-8"?>
+<file path=ppt/slides/slide5.xml><?xml version="1.0" encoding="utf-8"?>
 <p:sld xmlns:a="http://schemas.openxmlformats.org/drawingml/2006/main" xmlns:r="http://schemas.openxmlformats.org/officeDocument/2006/relationships" xmlns:p="http://schemas.openxmlformats.org/presentationml/2006/main">
   <p:cSld>
     <p:bg>
@@ -11969,7 +13786,7 @@
 </p:sld>
 </file>
 
-<file path=ppt/slides/slide5.xml><?xml version="1.0" encoding="utf-8"?>
+<file path=ppt/slides/slide6.xml><?xml version="1.0" encoding="utf-8"?>
 <p:sld xmlns:a="http://schemas.openxmlformats.org/drawingml/2006/main" xmlns:r="http://schemas.openxmlformats.org/officeDocument/2006/relationships" xmlns:p="http://schemas.openxmlformats.org/presentationml/2006/main">
   <p:cSld>
     <p:spTree>
